--- a/Noel_Li/Researchwork1/AI Song contest Noel.pptx
+++ b/Noel_Li/Researchwork1/AI Song contest Noel.pptx
@@ -7464,7 +7464,7 @@
           <a:p>
             <a:fld id="{54C59E33-A5DF-C342-9FB7-573B03581993}" type="datetimeFigureOut">
               <a:rPr lang="en-US" smtClean="0"/>
-              <a:t>10/2/24</a:t>
+              <a:t>10/3/24</a:t>
             </a:fld>
             <a:endParaRPr lang="en-US"/>
           </a:p>
@@ -7662,7 +7662,7 @@
           <a:p>
             <a:fld id="{54C59E33-A5DF-C342-9FB7-573B03581993}" type="datetimeFigureOut">
               <a:rPr lang="en-US" smtClean="0"/>
-              <a:t>10/2/24</a:t>
+              <a:t>10/3/24</a:t>
             </a:fld>
             <a:endParaRPr lang="en-US"/>
           </a:p>
@@ -7870,7 +7870,7 @@
           <a:p>
             <a:fld id="{54C59E33-A5DF-C342-9FB7-573B03581993}" type="datetimeFigureOut">
               <a:rPr lang="en-US" smtClean="0"/>
-              <a:t>10/2/24</a:t>
+              <a:t>10/3/24</a:t>
             </a:fld>
             <a:endParaRPr lang="en-US"/>
           </a:p>
@@ -8068,7 +8068,7 @@
           <a:p>
             <a:fld id="{54C59E33-A5DF-C342-9FB7-573B03581993}" type="datetimeFigureOut">
               <a:rPr lang="en-US" smtClean="0"/>
-              <a:t>10/2/24</a:t>
+              <a:t>10/3/24</a:t>
             </a:fld>
             <a:endParaRPr lang="en-US"/>
           </a:p>
@@ -8343,7 +8343,7 @@
           <a:p>
             <a:fld id="{54C59E33-A5DF-C342-9FB7-573B03581993}" type="datetimeFigureOut">
               <a:rPr lang="en-US" smtClean="0"/>
-              <a:t>10/2/24</a:t>
+              <a:t>10/3/24</a:t>
             </a:fld>
             <a:endParaRPr lang="en-US"/>
           </a:p>
@@ -8608,7 +8608,7 @@
           <a:p>
             <a:fld id="{54C59E33-A5DF-C342-9FB7-573B03581993}" type="datetimeFigureOut">
               <a:rPr lang="en-US" smtClean="0"/>
-              <a:t>10/2/24</a:t>
+              <a:t>10/3/24</a:t>
             </a:fld>
             <a:endParaRPr lang="en-US"/>
           </a:p>
@@ -9020,7 +9020,7 @@
           <a:p>
             <a:fld id="{54C59E33-A5DF-C342-9FB7-573B03581993}" type="datetimeFigureOut">
               <a:rPr lang="en-US" smtClean="0"/>
-              <a:t>10/2/24</a:t>
+              <a:t>10/3/24</a:t>
             </a:fld>
             <a:endParaRPr lang="en-US"/>
           </a:p>
@@ -9161,7 +9161,7 @@
           <a:p>
             <a:fld id="{54C59E33-A5DF-C342-9FB7-573B03581993}" type="datetimeFigureOut">
               <a:rPr lang="en-US" smtClean="0"/>
-              <a:t>10/2/24</a:t>
+              <a:t>10/3/24</a:t>
             </a:fld>
             <a:endParaRPr lang="en-US"/>
           </a:p>
@@ -9274,7 +9274,7 @@
           <a:p>
             <a:fld id="{54C59E33-A5DF-C342-9FB7-573B03581993}" type="datetimeFigureOut">
               <a:rPr lang="en-US" smtClean="0"/>
-              <a:t>10/2/24</a:t>
+              <a:t>10/3/24</a:t>
             </a:fld>
             <a:endParaRPr lang="en-US"/>
           </a:p>
@@ -9585,7 +9585,7 @@
           <a:p>
             <a:fld id="{54C59E33-A5DF-C342-9FB7-573B03581993}" type="datetimeFigureOut">
               <a:rPr lang="en-US" smtClean="0"/>
-              <a:t>10/2/24</a:t>
+              <a:t>10/3/24</a:t>
             </a:fld>
             <a:endParaRPr lang="en-US"/>
           </a:p>
@@ -9873,7 +9873,7 @@
           <a:p>
             <a:fld id="{54C59E33-A5DF-C342-9FB7-573B03581993}" type="datetimeFigureOut">
               <a:rPr lang="en-US" smtClean="0"/>
-              <a:t>10/2/24</a:t>
+              <a:t>10/3/24</a:t>
             </a:fld>
             <a:endParaRPr lang="en-US"/>
           </a:p>
@@ -10114,7 +10114,7 @@
           <a:p>
             <a:fld id="{54C59E33-A5DF-C342-9FB7-573B03581993}" type="datetimeFigureOut">
               <a:rPr lang="en-US" smtClean="0"/>
-              <a:t>10/2/24</a:t>
+              <a:t>10/3/24</a:t>
             </a:fld>
             <a:endParaRPr lang="en-US"/>
           </a:p>

--- a/Noel_Li/Researchwork1/AI Song contest Noel.pptx
+++ b/Noel_Li/Researchwork1/AI Song contest Noel.pptx
@@ -13,7 +13,8 @@
     <p:sldId id="261" r:id="rId7"/>
     <p:sldId id="262" r:id="rId8"/>
     <p:sldId id="264" r:id="rId9"/>
-    <p:sldId id="263" r:id="rId10"/>
+    <p:sldId id="265" r:id="rId10"/>
+    <p:sldId id="263" r:id="rId11"/>
   </p:sldIdLst>
   <p:sldSz cx="12192000" cy="6858000"/>
   <p:notesSz cx="6858000" cy="9144000"/>
@@ -29677,6 +29678,647 @@
 </p:sld>
 </file>
 
+<file path=ppt/slides/slide10.xml><?xml version="1.0" encoding="utf-8"?>
+<p:sld xmlns:a="http://schemas.openxmlformats.org/drawingml/2006/main" xmlns:r="http://schemas.openxmlformats.org/officeDocument/2006/relationships" xmlns:p="http://schemas.openxmlformats.org/presentationml/2006/main">
+  <p:cSld>
+    <p:bg>
+      <p:bgPr>
+        <a:solidFill>
+          <a:schemeClr val="bg1"/>
+        </a:solidFill>
+        <a:effectLst/>
+      </p:bgPr>
+    </p:bg>
+    <p:spTree>
+      <p:nvGrpSpPr>
+        <p:cNvPr id="1" name=""/>
+        <p:cNvGrpSpPr/>
+        <p:nvPr/>
+      </p:nvGrpSpPr>
+      <p:grpSpPr>
+        <a:xfrm>
+          <a:off x="0" y="0"/>
+          <a:ext cx="0" cy="0"/>
+          <a:chOff x="0" y="0"/>
+          <a:chExt cx="0" cy="0"/>
+        </a:xfrm>
+      </p:grpSpPr>
+      <p:pic>
+        <p:nvPicPr>
+          <p:cNvPr id="5" name="Picture 4" descr="Close-up of hopscotch on a sidewalk">
+            <a:extLst>
+              <a:ext uri="{FF2B5EF4-FFF2-40B4-BE49-F238E27FC236}">
+                <a16:creationId xmlns:a16="http://schemas.microsoft.com/office/drawing/2014/main" id="{64B4AE4F-33B9-B47E-F9DC-B2937C76985F}"/>
+              </a:ext>
+            </a:extLst>
+          </p:cNvPr>
+          <p:cNvPicPr>
+            <a:picLocks noChangeAspect="1"/>
+          </p:cNvPicPr>
+          <p:nvPr/>
+        </p:nvPicPr>
+        <p:blipFill>
+          <a:blip r:embed="rId2"/>
+          <a:srcRect t="6916" b="8453"/>
+          <a:stretch/>
+        </p:blipFill>
+        <p:spPr>
+          <a:xfrm>
+            <a:off x="20" y="-7619"/>
+            <a:ext cx="12191979" cy="6887364"/>
+          </a:xfrm>
+          <a:prstGeom prst="rect">
+            <a:avLst/>
+          </a:prstGeom>
+        </p:spPr>
+      </p:pic>
+      <p:sp>
+        <p:nvSpPr>
+          <p:cNvPr id="9" name="Rectangle 8">
+            <a:extLst>
+              <a:ext uri="{FF2B5EF4-FFF2-40B4-BE49-F238E27FC236}">
+                <a16:creationId xmlns:a16="http://schemas.microsoft.com/office/drawing/2014/main" id="{4D60F200-5EB0-B223-2439-C96C67F0FEE1}"/>
+              </a:ext>
+              <a:ext uri="{C183D7F6-B498-43B3-948B-1728B52AA6E4}">
+                <adec:decorative xmlns:adec="http://schemas.microsoft.com/office/drawing/2017/decorative" val="1"/>
+              </a:ext>
+            </a:extLst>
+          </p:cNvPr>
+          <p:cNvSpPr>
+            <a:spLocks noGrp="1" noRot="1" noChangeAspect="1" noMove="1" noResize="1" noEditPoints="1" noAdjustHandles="1" noChangeArrowheads="1" noChangeShapeType="1" noTextEdit="1"/>
+          </p:cNvSpPr>
+          <p:nvPr>
+            <p:extLst>
+              <p:ext uri="{386F3935-93C4-4BCD-93E2-E3B085C9AB24}">
+                <p16:designElem xmlns:p16="http://schemas.microsoft.com/office/powerpoint/2015/main" val="1"/>
+              </p:ext>
+            </p:extLst>
+          </p:nvPr>
+        </p:nvSpPr>
+        <p:spPr>
+          <a:xfrm>
+            <a:off x="-1" y="-7620"/>
+            <a:ext cx="5566593" cy="6887364"/>
+          </a:xfrm>
+          <a:prstGeom prst="rect">
+            <a:avLst/>
+          </a:prstGeom>
+          <a:gradFill flip="none" rotWithShape="1">
+            <a:gsLst>
+              <a:gs pos="21000">
+                <a:srgbClr val="000000">
+                  <a:alpha val="62000"/>
+                </a:srgbClr>
+              </a:gs>
+              <a:gs pos="100000">
+                <a:srgbClr val="000000">
+                  <a:alpha val="0"/>
+                </a:srgbClr>
+              </a:gs>
+            </a:gsLst>
+            <a:lin ang="0" scaled="0"/>
+            <a:tileRect/>
+          </a:gradFill>
+          <a:ln>
+            <a:noFill/>
+          </a:ln>
+        </p:spPr>
+        <p:style>
+          <a:lnRef idx="2">
+            <a:schemeClr val="accent1">
+              <a:shade val="50000"/>
+            </a:schemeClr>
+          </a:lnRef>
+          <a:fillRef idx="1">
+            <a:schemeClr val="accent1"/>
+          </a:fillRef>
+          <a:effectRef idx="0">
+            <a:schemeClr val="accent1"/>
+          </a:effectRef>
+          <a:fontRef idx="minor">
+            <a:schemeClr val="lt1"/>
+          </a:fontRef>
+        </p:style>
+        <p:txBody>
+          <a:bodyPr rtlCol="0" anchor="ctr"/>
+          <a:lstStyle/>
+          <a:p>
+            <a:pPr algn="ctr"/>
+            <a:endParaRPr lang="en-US"/>
+          </a:p>
+        </p:txBody>
+      </p:sp>
+      <p:sp>
+        <p:nvSpPr>
+          <p:cNvPr id="11" name="Rectangle 10">
+            <a:extLst>
+              <a:ext uri="{FF2B5EF4-FFF2-40B4-BE49-F238E27FC236}">
+                <a16:creationId xmlns:a16="http://schemas.microsoft.com/office/drawing/2014/main" id="{74067CD3-146F-6228-E362-39AA720C25F7}"/>
+              </a:ext>
+              <a:ext uri="{C183D7F6-B498-43B3-948B-1728B52AA6E4}">
+                <adec:decorative xmlns:adec="http://schemas.microsoft.com/office/drawing/2017/decorative" val="1"/>
+              </a:ext>
+            </a:extLst>
+          </p:cNvPr>
+          <p:cNvSpPr>
+            <a:spLocks noGrp="1" noRot="1" noChangeAspect="1" noMove="1" noResize="1" noEditPoints="1" noAdjustHandles="1" noChangeArrowheads="1" noChangeShapeType="1" noTextEdit="1"/>
+          </p:cNvSpPr>
+          <p:nvPr>
+            <p:extLst>
+              <p:ext uri="{386F3935-93C4-4BCD-93E2-E3B085C9AB24}">
+                <p16:designElem xmlns:p16="http://schemas.microsoft.com/office/powerpoint/2015/main" val="1"/>
+              </p:ext>
+            </p:extLst>
+          </p:nvPr>
+        </p:nvSpPr>
+        <p:spPr>
+          <a:xfrm rot="16200000">
+            <a:off x="-863442" y="855815"/>
+            <a:ext cx="6887365" cy="5160474"/>
+          </a:xfrm>
+          <a:prstGeom prst="rect">
+            <a:avLst/>
+          </a:prstGeom>
+          <a:gradFill flip="none" rotWithShape="1">
+            <a:gsLst>
+              <a:gs pos="0">
+                <a:schemeClr val="accent5">
+                  <a:lumMod val="75000"/>
+                  <a:alpha val="91000"/>
+                </a:schemeClr>
+              </a:gs>
+              <a:gs pos="83000">
+                <a:schemeClr val="accent5">
+                  <a:alpha val="0"/>
+                </a:schemeClr>
+              </a:gs>
+            </a:gsLst>
+            <a:lin ang="5100000" scaled="0"/>
+            <a:tileRect/>
+          </a:gradFill>
+          <a:ln w="12700" cap="flat" cmpd="sng" algn="ctr">
+            <a:noFill/>
+            <a:prstDash val="solid"/>
+            <a:miter lim="800000"/>
+          </a:ln>
+          <a:effectLst/>
+        </p:spPr>
+        <p:style>
+          <a:lnRef idx="2">
+            <a:schemeClr val="accent1">
+              <a:shade val="50000"/>
+            </a:schemeClr>
+          </a:lnRef>
+          <a:fillRef idx="1">
+            <a:schemeClr val="accent1"/>
+          </a:fillRef>
+          <a:effectRef idx="0">
+            <a:schemeClr val="accent1"/>
+          </a:effectRef>
+          <a:fontRef idx="minor">
+            <a:schemeClr val="lt1"/>
+          </a:fontRef>
+        </p:style>
+        <p:txBody>
+          <a:bodyPr rtlCol="0" anchor="ctr"/>
+          <a:lstStyle/>
+          <a:p>
+            <a:pPr algn="r"/>
+            <a:endParaRPr lang="en-US"/>
+          </a:p>
+        </p:txBody>
+      </p:sp>
+      <p:sp>
+        <p:nvSpPr>
+          <p:cNvPr id="13" name="Rectangle 12">
+            <a:extLst>
+              <a:ext uri="{FF2B5EF4-FFF2-40B4-BE49-F238E27FC236}">
+                <a16:creationId xmlns:a16="http://schemas.microsoft.com/office/drawing/2014/main" id="{271C7E5C-A0F8-E9FA-56DB-31A257FD4EDB}"/>
+              </a:ext>
+              <a:ext uri="{C183D7F6-B498-43B3-948B-1728B52AA6E4}">
+                <adec:decorative xmlns:adec="http://schemas.microsoft.com/office/drawing/2017/decorative" val="1"/>
+              </a:ext>
+            </a:extLst>
+          </p:cNvPr>
+          <p:cNvSpPr>
+            <a:spLocks noGrp="1" noRot="1" noChangeAspect="1" noMove="1" noResize="1" noEditPoints="1" noAdjustHandles="1" noChangeArrowheads="1" noChangeShapeType="1" noTextEdit="1"/>
+          </p:cNvSpPr>
+          <p:nvPr>
+            <p:extLst>
+              <p:ext uri="{386F3935-93C4-4BCD-93E2-E3B085C9AB24}">
+                <p16:designElem xmlns:p16="http://schemas.microsoft.com/office/powerpoint/2015/main" val="1"/>
+              </p:ext>
+            </p:extLst>
+          </p:nvPr>
+        </p:nvSpPr>
+        <p:spPr>
+          <a:xfrm>
+            <a:off x="-2" y="-7648"/>
+            <a:ext cx="2079513" cy="6865647"/>
+          </a:xfrm>
+          <a:prstGeom prst="rect">
+            <a:avLst/>
+          </a:prstGeom>
+          <a:gradFill flip="none" rotWithShape="1">
+            <a:gsLst>
+              <a:gs pos="5000">
+                <a:schemeClr val="accent5"/>
+              </a:gs>
+              <a:gs pos="49000">
+                <a:schemeClr val="accent5">
+                  <a:alpha val="0"/>
+                </a:schemeClr>
+              </a:gs>
+            </a:gsLst>
+            <a:lin ang="21000000" scaled="0"/>
+            <a:tileRect/>
+          </a:gradFill>
+          <a:ln>
+            <a:noFill/>
+          </a:ln>
+        </p:spPr>
+        <p:style>
+          <a:lnRef idx="2">
+            <a:schemeClr val="accent1">
+              <a:shade val="50000"/>
+            </a:schemeClr>
+          </a:lnRef>
+          <a:fillRef idx="1">
+            <a:schemeClr val="accent1"/>
+          </a:fillRef>
+          <a:effectRef idx="0">
+            <a:schemeClr val="accent1"/>
+          </a:effectRef>
+          <a:fontRef idx="minor">
+            <a:schemeClr val="lt1"/>
+          </a:fontRef>
+        </p:style>
+        <p:txBody>
+          <a:bodyPr rtlCol="0" anchor="ctr"/>
+          <a:lstStyle/>
+          <a:p>
+            <a:pPr algn="ctr"/>
+            <a:endParaRPr lang="en-US"/>
+          </a:p>
+        </p:txBody>
+      </p:sp>
+      <p:sp>
+        <p:nvSpPr>
+          <p:cNvPr id="15" name="Rectangle 14">
+            <a:extLst>
+              <a:ext uri="{FF2B5EF4-FFF2-40B4-BE49-F238E27FC236}">
+                <a16:creationId xmlns:a16="http://schemas.microsoft.com/office/drawing/2014/main" id="{33F70A3C-4474-2A39-470C-FD55A8837503}"/>
+              </a:ext>
+              <a:ext uri="{C183D7F6-B498-43B3-948B-1728B52AA6E4}">
+                <adec:decorative xmlns:adec="http://schemas.microsoft.com/office/drawing/2017/decorative" val="1"/>
+              </a:ext>
+            </a:extLst>
+          </p:cNvPr>
+          <p:cNvSpPr>
+            <a:spLocks noGrp="1" noRot="1" noChangeAspect="1" noMove="1" noResize="1" noEditPoints="1" noAdjustHandles="1" noChangeArrowheads="1" noChangeShapeType="1" noTextEdit="1"/>
+          </p:cNvSpPr>
+          <p:nvPr>
+            <p:extLst>
+              <p:ext uri="{386F3935-93C4-4BCD-93E2-E3B085C9AB24}">
+                <p16:designElem xmlns:p16="http://schemas.microsoft.com/office/powerpoint/2015/main" val="1"/>
+              </p:ext>
+            </p:extLst>
+          </p:nvPr>
+        </p:nvSpPr>
+        <p:spPr>
+          <a:xfrm rot="10800000">
+            <a:off x="7706777" y="3068761"/>
+            <a:ext cx="4504659" cy="3789239"/>
+          </a:xfrm>
+          <a:prstGeom prst="rect">
+            <a:avLst/>
+          </a:prstGeom>
+          <a:gradFill flip="none" rotWithShape="1">
+            <a:gsLst>
+              <a:gs pos="0">
+                <a:schemeClr val="accent5"/>
+              </a:gs>
+              <a:gs pos="60000">
+                <a:schemeClr val="accent5">
+                  <a:alpha val="0"/>
+                </a:schemeClr>
+              </a:gs>
+            </a:gsLst>
+            <a:path path="circle">
+              <a:fillToRect r="100000" b="100000"/>
+            </a:path>
+            <a:tileRect l="-100000" t="-100000"/>
+          </a:gradFill>
+          <a:ln w="12700" cap="flat" cmpd="sng" algn="ctr">
+            <a:noFill/>
+            <a:prstDash val="solid"/>
+            <a:miter lim="800000"/>
+          </a:ln>
+          <a:effectLst/>
+        </p:spPr>
+        <p:style>
+          <a:lnRef idx="2">
+            <a:schemeClr val="accent1">
+              <a:shade val="50000"/>
+            </a:schemeClr>
+          </a:lnRef>
+          <a:fillRef idx="1">
+            <a:schemeClr val="accent1"/>
+          </a:fillRef>
+          <a:effectRef idx="0">
+            <a:schemeClr val="accent1"/>
+          </a:effectRef>
+          <a:fontRef idx="minor">
+            <a:schemeClr val="lt1"/>
+          </a:fontRef>
+        </p:style>
+        <p:txBody>
+          <a:bodyPr rtlCol="0" anchor="ctr"/>
+          <a:lstStyle/>
+          <a:p>
+            <a:pPr algn="r"/>
+            <a:endParaRPr lang="en-US"/>
+          </a:p>
+        </p:txBody>
+      </p:sp>
+      <p:sp>
+        <p:nvSpPr>
+          <p:cNvPr id="17" name="Rectangle 16">
+            <a:extLst>
+              <a:ext uri="{FF2B5EF4-FFF2-40B4-BE49-F238E27FC236}">
+                <a16:creationId xmlns:a16="http://schemas.microsoft.com/office/drawing/2014/main" id="{BAC3F7D4-9613-0E1F-901C-98FE831DEBC0}"/>
+              </a:ext>
+              <a:ext uri="{C183D7F6-B498-43B3-948B-1728B52AA6E4}">
+                <adec:decorative xmlns:adec="http://schemas.microsoft.com/office/drawing/2017/decorative" val="1"/>
+              </a:ext>
+            </a:extLst>
+          </p:cNvPr>
+          <p:cNvSpPr>
+            <a:spLocks noGrp="1" noRot="1" noChangeAspect="1" noMove="1" noResize="1" noEditPoints="1" noAdjustHandles="1" noChangeArrowheads="1" noChangeShapeType="1" noTextEdit="1"/>
+          </p:cNvSpPr>
+          <p:nvPr>
+            <p:extLst>
+              <p:ext uri="{386F3935-93C4-4BCD-93E2-E3B085C9AB24}">
+                <p16:designElem xmlns:p16="http://schemas.microsoft.com/office/powerpoint/2015/main" val="1"/>
+              </p:ext>
+            </p:extLst>
+          </p:nvPr>
+        </p:nvSpPr>
+        <p:spPr>
+          <a:xfrm rot="10800000">
+            <a:off x="8774557" y="-6485"/>
+            <a:ext cx="3427160" cy="6879745"/>
+          </a:xfrm>
+          <a:prstGeom prst="rect">
+            <a:avLst/>
+          </a:prstGeom>
+          <a:gradFill flip="none" rotWithShape="1">
+            <a:gsLst>
+              <a:gs pos="5000">
+                <a:schemeClr val="accent2"/>
+              </a:gs>
+              <a:gs pos="49000">
+                <a:schemeClr val="accent5">
+                  <a:lumMod val="60000"/>
+                  <a:lumOff val="40000"/>
+                  <a:alpha val="0"/>
+                </a:schemeClr>
+              </a:gs>
+            </a:gsLst>
+            <a:lin ang="1200000" scaled="0"/>
+            <a:tileRect/>
+          </a:gradFill>
+          <a:ln>
+            <a:noFill/>
+          </a:ln>
+        </p:spPr>
+        <p:style>
+          <a:lnRef idx="2">
+            <a:schemeClr val="accent1">
+              <a:shade val="50000"/>
+            </a:schemeClr>
+          </a:lnRef>
+          <a:fillRef idx="1">
+            <a:schemeClr val="accent1"/>
+          </a:fillRef>
+          <a:effectRef idx="0">
+            <a:schemeClr val="accent1"/>
+          </a:effectRef>
+          <a:fontRef idx="minor">
+            <a:schemeClr val="lt1"/>
+          </a:fontRef>
+        </p:style>
+        <p:txBody>
+          <a:bodyPr rtlCol="0" anchor="ctr"/>
+          <a:lstStyle/>
+          <a:p>
+            <a:pPr algn="ctr"/>
+            <a:endParaRPr lang="en-US"/>
+          </a:p>
+        </p:txBody>
+      </p:sp>
+      <p:sp>
+        <p:nvSpPr>
+          <p:cNvPr id="19" name="Rectangle 18">
+            <a:extLst>
+              <a:ext uri="{FF2B5EF4-FFF2-40B4-BE49-F238E27FC236}">
+                <a16:creationId xmlns:a16="http://schemas.microsoft.com/office/drawing/2014/main" id="{AFD5167C-AF48-26F0-7A9F-3F7643374872}"/>
+              </a:ext>
+              <a:ext uri="{C183D7F6-B498-43B3-948B-1728B52AA6E4}">
+                <adec:decorative xmlns:adec="http://schemas.microsoft.com/office/drawing/2017/decorative" val="1"/>
+              </a:ext>
+            </a:extLst>
+          </p:cNvPr>
+          <p:cNvSpPr>
+            <a:spLocks noGrp="1" noRot="1" noChangeAspect="1" noMove="1" noResize="1" noEditPoints="1" noAdjustHandles="1" noChangeArrowheads="1" noChangeShapeType="1" noTextEdit="1"/>
+          </p:cNvSpPr>
+          <p:nvPr>
+            <p:extLst>
+              <p:ext uri="{386F3935-93C4-4BCD-93E2-E3B085C9AB24}">
+                <p16:designElem xmlns:p16="http://schemas.microsoft.com/office/powerpoint/2015/main" val="1"/>
+              </p:ext>
+            </p:extLst>
+          </p:nvPr>
+        </p:nvSpPr>
+        <p:spPr>
+          <a:xfrm rot="5400000">
+            <a:off x="4264705" y="-1061856"/>
+            <a:ext cx="3682024" cy="12211438"/>
+          </a:xfrm>
+          <a:prstGeom prst="rect">
+            <a:avLst/>
+          </a:prstGeom>
+          <a:gradFill>
+            <a:gsLst>
+              <a:gs pos="0">
+                <a:schemeClr val="accent5"/>
+              </a:gs>
+              <a:gs pos="65000">
+                <a:schemeClr val="accent2">
+                  <a:alpha val="0"/>
+                </a:schemeClr>
+              </a:gs>
+            </a:gsLst>
+            <a:lin ang="11400000" scaled="0"/>
+          </a:gradFill>
+          <a:ln>
+            <a:noFill/>
+          </a:ln>
+        </p:spPr>
+        <p:style>
+          <a:lnRef idx="2">
+            <a:schemeClr val="accent1">
+              <a:shade val="50000"/>
+            </a:schemeClr>
+          </a:lnRef>
+          <a:fillRef idx="1">
+            <a:schemeClr val="accent1"/>
+          </a:fillRef>
+          <a:effectRef idx="0">
+            <a:schemeClr val="accent1"/>
+          </a:effectRef>
+          <a:fontRef idx="minor">
+            <a:schemeClr val="lt1"/>
+          </a:fontRef>
+        </p:style>
+        <p:txBody>
+          <a:bodyPr rtlCol="0" anchor="ctr"/>
+          <a:lstStyle/>
+          <a:p>
+            <a:pPr algn="ctr"/>
+            <a:endParaRPr lang="en-US"/>
+          </a:p>
+        </p:txBody>
+      </p:sp>
+      <p:sp>
+        <p:nvSpPr>
+          <p:cNvPr id="21" name="Rectangle 20">
+            <a:extLst>
+              <a:ext uri="{FF2B5EF4-FFF2-40B4-BE49-F238E27FC236}">
+                <a16:creationId xmlns:a16="http://schemas.microsoft.com/office/drawing/2014/main" id="{87B30A01-FCA8-86A5-A840-C32A3BE2EDD6}"/>
+              </a:ext>
+              <a:ext uri="{C183D7F6-B498-43B3-948B-1728B52AA6E4}">
+                <adec:decorative xmlns:adec="http://schemas.microsoft.com/office/drawing/2017/decorative" val="1"/>
+              </a:ext>
+            </a:extLst>
+          </p:cNvPr>
+          <p:cNvSpPr>
+            <a:spLocks noGrp="1" noRot="1" noChangeAspect="1" noMove="1" noResize="1" noEditPoints="1" noAdjustHandles="1" noChangeArrowheads="1" noChangeShapeType="1" noTextEdit="1"/>
+          </p:cNvSpPr>
+          <p:nvPr>
+            <p:extLst>
+              <p:ext uri="{386F3935-93C4-4BCD-93E2-E3B085C9AB24}">
+                <p16:designElem xmlns:p16="http://schemas.microsoft.com/office/powerpoint/2015/main" val="1"/>
+              </p:ext>
+            </p:extLst>
+          </p:nvPr>
+        </p:nvSpPr>
+        <p:spPr>
+          <a:xfrm rot="10800000">
+            <a:off x="-6" y="-7639"/>
+            <a:ext cx="4879823" cy="6887373"/>
+          </a:xfrm>
+          <a:prstGeom prst="rect">
+            <a:avLst/>
+          </a:prstGeom>
+          <a:gradFill>
+            <a:gsLst>
+              <a:gs pos="0">
+                <a:schemeClr val="accent2">
+                  <a:alpha val="70000"/>
+                </a:schemeClr>
+              </a:gs>
+              <a:gs pos="44000">
+                <a:schemeClr val="accent5">
+                  <a:lumMod val="60000"/>
+                  <a:lumOff val="40000"/>
+                  <a:alpha val="0"/>
+                </a:schemeClr>
+              </a:gs>
+            </a:gsLst>
+            <a:lin ang="9600000" scaled="0"/>
+          </a:gradFill>
+          <a:ln>
+            <a:noFill/>
+          </a:ln>
+        </p:spPr>
+        <p:style>
+          <a:lnRef idx="2">
+            <a:schemeClr val="accent1">
+              <a:shade val="50000"/>
+            </a:schemeClr>
+          </a:lnRef>
+          <a:fillRef idx="1">
+            <a:schemeClr val="accent1"/>
+          </a:fillRef>
+          <a:effectRef idx="0">
+            <a:schemeClr val="accent1"/>
+          </a:effectRef>
+          <a:fontRef idx="minor">
+            <a:schemeClr val="lt1"/>
+          </a:fontRef>
+        </p:style>
+        <p:txBody>
+          <a:bodyPr rtlCol="0" anchor="ctr"/>
+          <a:lstStyle/>
+          <a:p>
+            <a:pPr algn="ctr"/>
+            <a:endParaRPr lang="en-US"/>
+          </a:p>
+        </p:txBody>
+      </p:sp>
+      <p:sp>
+        <p:nvSpPr>
+          <p:cNvPr id="2" name="Title 1">
+            <a:extLst>
+              <a:ext uri="{FF2B5EF4-FFF2-40B4-BE49-F238E27FC236}">
+                <a16:creationId xmlns:a16="http://schemas.microsoft.com/office/drawing/2014/main" id="{32782611-D34F-1FF6-5E80-F3750BE25C80}"/>
+              </a:ext>
+            </a:extLst>
+          </p:cNvPr>
+          <p:cNvSpPr>
+            <a:spLocks noGrp="1"/>
+          </p:cNvSpPr>
+          <p:nvPr>
+            <p:ph type="title"/>
+          </p:nvPr>
+        </p:nvSpPr>
+        <p:spPr>
+          <a:xfrm>
+            <a:off x="859028" y="2155188"/>
+            <a:ext cx="4160233" cy="2839273"/>
+          </a:xfrm>
+        </p:spPr>
+        <p:txBody>
+          <a:bodyPr vert="horz" lIns="91440" tIns="45720" rIns="91440" bIns="45720" rtlCol="0" anchor="b">
+            <a:normAutofit/>
+          </a:bodyPr>
+          <a:lstStyle/>
+          <a:p>
+            <a:r>
+              <a:rPr lang="en-US" sz="4000" dirty="0">
+                <a:solidFill>
+                  <a:srgbClr val="FFFFFF"/>
+                </a:solidFill>
+              </a:rPr>
+              <a:t>END</a:t>
+            </a:r>
+          </a:p>
+        </p:txBody>
+      </p:sp>
+    </p:spTree>
+    <p:extLst>
+      <p:ext uri="{BB962C8B-B14F-4D97-AF65-F5344CB8AC3E}">
+        <p14:creationId xmlns:p14="http://schemas.microsoft.com/office/powerpoint/2010/main" val="1935648960"/>
+      </p:ext>
+    </p:extLst>
+  </p:cSld>
+  <p:clrMapOvr>
+    <a:masterClrMapping/>
+  </p:clrMapOvr>
+</p:sld>
+</file>
+
 <file path=ppt/slides/slide2.xml><?xml version="1.0" encoding="utf-8"?>
 <p:sld xmlns:a="http://schemas.openxmlformats.org/drawingml/2006/main" xmlns:r="http://schemas.openxmlformats.org/officeDocument/2006/relationships" xmlns:p="http://schemas.openxmlformats.org/presentationml/2006/main">
   <p:cSld>
@@ -41823,41 +42465,12 @@
           <a:chExt cx="0" cy="0"/>
         </a:xfrm>
       </p:grpSpPr>
-      <p:pic>
-        <p:nvPicPr>
-          <p:cNvPr id="5" name="Picture 4" descr="Close-up of hopscotch on a sidewalk">
+      <p:sp useBgFill="1">
+        <p:nvSpPr>
+          <p:cNvPr id="9" name="Slide Background">
             <a:extLst>
               <a:ext uri="{FF2B5EF4-FFF2-40B4-BE49-F238E27FC236}">
-                <a16:creationId xmlns:a16="http://schemas.microsoft.com/office/drawing/2014/main" id="{64B4AE4F-33B9-B47E-F9DC-B2937C76985F}"/>
-              </a:ext>
-            </a:extLst>
-          </p:cNvPr>
-          <p:cNvPicPr>
-            <a:picLocks noChangeAspect="1"/>
-          </p:cNvPicPr>
-          <p:nvPr/>
-        </p:nvPicPr>
-        <p:blipFill>
-          <a:blip r:embed="rId2"/>
-          <a:srcRect t="6916" b="8453"/>
-          <a:stretch/>
-        </p:blipFill>
-        <p:spPr>
-          <a:xfrm>
-            <a:off x="20" y="-7619"/>
-            <a:ext cx="12191979" cy="6887364"/>
-          </a:xfrm>
-          <a:prstGeom prst="rect">
-            <a:avLst/>
-          </a:prstGeom>
-        </p:spPr>
-      </p:pic>
-      <p:sp>
-        <p:nvSpPr>
-          <p:cNvPr id="9" name="Rectangle 8">
-            <a:extLst>
-              <a:ext uri="{FF2B5EF4-FFF2-40B4-BE49-F238E27FC236}">
-                <a16:creationId xmlns:a16="http://schemas.microsoft.com/office/drawing/2014/main" id="{4D60F200-5EB0-B223-2439-C96C67F0FEE1}"/>
+                <a16:creationId xmlns:a16="http://schemas.microsoft.com/office/drawing/2014/main" id="{9F7D5CDA-D291-4307-BF55-1381FED29634}"/>
               </a:ext>
               <a:ext uri="{C183D7F6-B498-43B3-948B-1728B52AA6E4}">
                 <adec:decorative xmlns:adec="http://schemas.microsoft.com/office/drawing/2017/decorative" val="1"/>
@@ -41877,487 +42490,12 @@
         </p:nvSpPr>
         <p:spPr>
           <a:xfrm>
-            <a:off x="-1" y="-7620"/>
-            <a:ext cx="5566593" cy="6887364"/>
+            <a:off x="0" y="0"/>
+            <a:ext cx="12192000" cy="6858000"/>
           </a:xfrm>
           <a:prstGeom prst="rect">
             <a:avLst/>
           </a:prstGeom>
-          <a:gradFill flip="none" rotWithShape="1">
-            <a:gsLst>
-              <a:gs pos="21000">
-                <a:srgbClr val="000000">
-                  <a:alpha val="62000"/>
-                </a:srgbClr>
-              </a:gs>
-              <a:gs pos="100000">
-                <a:srgbClr val="000000">
-                  <a:alpha val="0"/>
-                </a:srgbClr>
-              </a:gs>
-            </a:gsLst>
-            <a:lin ang="0" scaled="0"/>
-            <a:tileRect/>
-          </a:gradFill>
-          <a:ln>
-            <a:noFill/>
-          </a:ln>
-        </p:spPr>
-        <p:style>
-          <a:lnRef idx="2">
-            <a:schemeClr val="accent1">
-              <a:shade val="50000"/>
-            </a:schemeClr>
-          </a:lnRef>
-          <a:fillRef idx="1">
-            <a:schemeClr val="accent1"/>
-          </a:fillRef>
-          <a:effectRef idx="0">
-            <a:schemeClr val="accent1"/>
-          </a:effectRef>
-          <a:fontRef idx="minor">
-            <a:schemeClr val="lt1"/>
-          </a:fontRef>
-        </p:style>
-        <p:txBody>
-          <a:bodyPr rtlCol="0" anchor="ctr"/>
-          <a:lstStyle/>
-          <a:p>
-            <a:pPr algn="ctr"/>
-            <a:endParaRPr lang="en-US"/>
-          </a:p>
-        </p:txBody>
-      </p:sp>
-      <p:sp>
-        <p:nvSpPr>
-          <p:cNvPr id="11" name="Rectangle 10">
-            <a:extLst>
-              <a:ext uri="{FF2B5EF4-FFF2-40B4-BE49-F238E27FC236}">
-                <a16:creationId xmlns:a16="http://schemas.microsoft.com/office/drawing/2014/main" id="{74067CD3-146F-6228-E362-39AA720C25F7}"/>
-              </a:ext>
-              <a:ext uri="{C183D7F6-B498-43B3-948B-1728B52AA6E4}">
-                <adec:decorative xmlns:adec="http://schemas.microsoft.com/office/drawing/2017/decorative" val="1"/>
-              </a:ext>
-            </a:extLst>
-          </p:cNvPr>
-          <p:cNvSpPr>
-            <a:spLocks noGrp="1" noRot="1" noChangeAspect="1" noMove="1" noResize="1" noEditPoints="1" noAdjustHandles="1" noChangeArrowheads="1" noChangeShapeType="1" noTextEdit="1"/>
-          </p:cNvSpPr>
-          <p:nvPr>
-            <p:extLst>
-              <p:ext uri="{386F3935-93C4-4BCD-93E2-E3B085C9AB24}">
-                <p16:designElem xmlns:p16="http://schemas.microsoft.com/office/powerpoint/2015/main" val="1"/>
-              </p:ext>
-            </p:extLst>
-          </p:nvPr>
-        </p:nvSpPr>
-        <p:spPr>
-          <a:xfrm rot="16200000">
-            <a:off x="-863442" y="855815"/>
-            <a:ext cx="6887365" cy="5160474"/>
-          </a:xfrm>
-          <a:prstGeom prst="rect">
-            <a:avLst/>
-          </a:prstGeom>
-          <a:gradFill flip="none" rotWithShape="1">
-            <a:gsLst>
-              <a:gs pos="0">
-                <a:schemeClr val="accent5">
-                  <a:lumMod val="75000"/>
-                  <a:alpha val="91000"/>
-                </a:schemeClr>
-              </a:gs>
-              <a:gs pos="83000">
-                <a:schemeClr val="accent5">
-                  <a:alpha val="0"/>
-                </a:schemeClr>
-              </a:gs>
-            </a:gsLst>
-            <a:lin ang="5100000" scaled="0"/>
-            <a:tileRect/>
-          </a:gradFill>
-          <a:ln w="12700" cap="flat" cmpd="sng" algn="ctr">
-            <a:noFill/>
-            <a:prstDash val="solid"/>
-            <a:miter lim="800000"/>
-          </a:ln>
-          <a:effectLst/>
-        </p:spPr>
-        <p:style>
-          <a:lnRef idx="2">
-            <a:schemeClr val="accent1">
-              <a:shade val="50000"/>
-            </a:schemeClr>
-          </a:lnRef>
-          <a:fillRef idx="1">
-            <a:schemeClr val="accent1"/>
-          </a:fillRef>
-          <a:effectRef idx="0">
-            <a:schemeClr val="accent1"/>
-          </a:effectRef>
-          <a:fontRef idx="minor">
-            <a:schemeClr val="lt1"/>
-          </a:fontRef>
-        </p:style>
-        <p:txBody>
-          <a:bodyPr rtlCol="0" anchor="ctr"/>
-          <a:lstStyle/>
-          <a:p>
-            <a:pPr algn="r"/>
-            <a:endParaRPr lang="en-US"/>
-          </a:p>
-        </p:txBody>
-      </p:sp>
-      <p:sp>
-        <p:nvSpPr>
-          <p:cNvPr id="13" name="Rectangle 12">
-            <a:extLst>
-              <a:ext uri="{FF2B5EF4-FFF2-40B4-BE49-F238E27FC236}">
-                <a16:creationId xmlns:a16="http://schemas.microsoft.com/office/drawing/2014/main" id="{271C7E5C-A0F8-E9FA-56DB-31A257FD4EDB}"/>
-              </a:ext>
-              <a:ext uri="{C183D7F6-B498-43B3-948B-1728B52AA6E4}">
-                <adec:decorative xmlns:adec="http://schemas.microsoft.com/office/drawing/2017/decorative" val="1"/>
-              </a:ext>
-            </a:extLst>
-          </p:cNvPr>
-          <p:cNvSpPr>
-            <a:spLocks noGrp="1" noRot="1" noChangeAspect="1" noMove="1" noResize="1" noEditPoints="1" noAdjustHandles="1" noChangeArrowheads="1" noChangeShapeType="1" noTextEdit="1"/>
-          </p:cNvSpPr>
-          <p:nvPr>
-            <p:extLst>
-              <p:ext uri="{386F3935-93C4-4BCD-93E2-E3B085C9AB24}">
-                <p16:designElem xmlns:p16="http://schemas.microsoft.com/office/powerpoint/2015/main" val="1"/>
-              </p:ext>
-            </p:extLst>
-          </p:nvPr>
-        </p:nvSpPr>
-        <p:spPr>
-          <a:xfrm>
-            <a:off x="-2" y="-7648"/>
-            <a:ext cx="2079513" cy="6865647"/>
-          </a:xfrm>
-          <a:prstGeom prst="rect">
-            <a:avLst/>
-          </a:prstGeom>
-          <a:gradFill flip="none" rotWithShape="1">
-            <a:gsLst>
-              <a:gs pos="5000">
-                <a:schemeClr val="accent5"/>
-              </a:gs>
-              <a:gs pos="49000">
-                <a:schemeClr val="accent5">
-                  <a:alpha val="0"/>
-                </a:schemeClr>
-              </a:gs>
-            </a:gsLst>
-            <a:lin ang="21000000" scaled="0"/>
-            <a:tileRect/>
-          </a:gradFill>
-          <a:ln>
-            <a:noFill/>
-          </a:ln>
-        </p:spPr>
-        <p:style>
-          <a:lnRef idx="2">
-            <a:schemeClr val="accent1">
-              <a:shade val="50000"/>
-            </a:schemeClr>
-          </a:lnRef>
-          <a:fillRef idx="1">
-            <a:schemeClr val="accent1"/>
-          </a:fillRef>
-          <a:effectRef idx="0">
-            <a:schemeClr val="accent1"/>
-          </a:effectRef>
-          <a:fontRef idx="minor">
-            <a:schemeClr val="lt1"/>
-          </a:fontRef>
-        </p:style>
-        <p:txBody>
-          <a:bodyPr rtlCol="0" anchor="ctr"/>
-          <a:lstStyle/>
-          <a:p>
-            <a:pPr algn="ctr"/>
-            <a:endParaRPr lang="en-US"/>
-          </a:p>
-        </p:txBody>
-      </p:sp>
-      <p:sp>
-        <p:nvSpPr>
-          <p:cNvPr id="15" name="Rectangle 14">
-            <a:extLst>
-              <a:ext uri="{FF2B5EF4-FFF2-40B4-BE49-F238E27FC236}">
-                <a16:creationId xmlns:a16="http://schemas.microsoft.com/office/drawing/2014/main" id="{33F70A3C-4474-2A39-470C-FD55A8837503}"/>
-              </a:ext>
-              <a:ext uri="{C183D7F6-B498-43B3-948B-1728B52AA6E4}">
-                <adec:decorative xmlns:adec="http://schemas.microsoft.com/office/drawing/2017/decorative" val="1"/>
-              </a:ext>
-            </a:extLst>
-          </p:cNvPr>
-          <p:cNvSpPr>
-            <a:spLocks noGrp="1" noRot="1" noChangeAspect="1" noMove="1" noResize="1" noEditPoints="1" noAdjustHandles="1" noChangeArrowheads="1" noChangeShapeType="1" noTextEdit="1"/>
-          </p:cNvSpPr>
-          <p:nvPr>
-            <p:extLst>
-              <p:ext uri="{386F3935-93C4-4BCD-93E2-E3B085C9AB24}">
-                <p16:designElem xmlns:p16="http://schemas.microsoft.com/office/powerpoint/2015/main" val="1"/>
-              </p:ext>
-            </p:extLst>
-          </p:nvPr>
-        </p:nvSpPr>
-        <p:spPr>
-          <a:xfrm rot="10800000">
-            <a:off x="7706777" y="3068761"/>
-            <a:ext cx="4504659" cy="3789239"/>
-          </a:xfrm>
-          <a:prstGeom prst="rect">
-            <a:avLst/>
-          </a:prstGeom>
-          <a:gradFill flip="none" rotWithShape="1">
-            <a:gsLst>
-              <a:gs pos="0">
-                <a:schemeClr val="accent5"/>
-              </a:gs>
-              <a:gs pos="60000">
-                <a:schemeClr val="accent5">
-                  <a:alpha val="0"/>
-                </a:schemeClr>
-              </a:gs>
-            </a:gsLst>
-            <a:path path="circle">
-              <a:fillToRect r="100000" b="100000"/>
-            </a:path>
-            <a:tileRect l="-100000" t="-100000"/>
-          </a:gradFill>
-          <a:ln w="12700" cap="flat" cmpd="sng" algn="ctr">
-            <a:noFill/>
-            <a:prstDash val="solid"/>
-            <a:miter lim="800000"/>
-          </a:ln>
-          <a:effectLst/>
-        </p:spPr>
-        <p:style>
-          <a:lnRef idx="2">
-            <a:schemeClr val="accent1">
-              <a:shade val="50000"/>
-            </a:schemeClr>
-          </a:lnRef>
-          <a:fillRef idx="1">
-            <a:schemeClr val="accent1"/>
-          </a:fillRef>
-          <a:effectRef idx="0">
-            <a:schemeClr val="accent1"/>
-          </a:effectRef>
-          <a:fontRef idx="minor">
-            <a:schemeClr val="lt1"/>
-          </a:fontRef>
-        </p:style>
-        <p:txBody>
-          <a:bodyPr rtlCol="0" anchor="ctr"/>
-          <a:lstStyle/>
-          <a:p>
-            <a:pPr algn="r"/>
-            <a:endParaRPr lang="en-US"/>
-          </a:p>
-        </p:txBody>
-      </p:sp>
-      <p:sp>
-        <p:nvSpPr>
-          <p:cNvPr id="17" name="Rectangle 16">
-            <a:extLst>
-              <a:ext uri="{FF2B5EF4-FFF2-40B4-BE49-F238E27FC236}">
-                <a16:creationId xmlns:a16="http://schemas.microsoft.com/office/drawing/2014/main" id="{BAC3F7D4-9613-0E1F-901C-98FE831DEBC0}"/>
-              </a:ext>
-              <a:ext uri="{C183D7F6-B498-43B3-948B-1728B52AA6E4}">
-                <adec:decorative xmlns:adec="http://schemas.microsoft.com/office/drawing/2017/decorative" val="1"/>
-              </a:ext>
-            </a:extLst>
-          </p:cNvPr>
-          <p:cNvSpPr>
-            <a:spLocks noGrp="1" noRot="1" noChangeAspect="1" noMove="1" noResize="1" noEditPoints="1" noAdjustHandles="1" noChangeArrowheads="1" noChangeShapeType="1" noTextEdit="1"/>
-          </p:cNvSpPr>
-          <p:nvPr>
-            <p:extLst>
-              <p:ext uri="{386F3935-93C4-4BCD-93E2-E3B085C9AB24}">
-                <p16:designElem xmlns:p16="http://schemas.microsoft.com/office/powerpoint/2015/main" val="1"/>
-              </p:ext>
-            </p:extLst>
-          </p:nvPr>
-        </p:nvSpPr>
-        <p:spPr>
-          <a:xfrm rot="10800000">
-            <a:off x="8774557" y="-6485"/>
-            <a:ext cx="3427160" cy="6879745"/>
-          </a:xfrm>
-          <a:prstGeom prst="rect">
-            <a:avLst/>
-          </a:prstGeom>
-          <a:gradFill flip="none" rotWithShape="1">
-            <a:gsLst>
-              <a:gs pos="5000">
-                <a:schemeClr val="accent2"/>
-              </a:gs>
-              <a:gs pos="49000">
-                <a:schemeClr val="accent5">
-                  <a:lumMod val="60000"/>
-                  <a:lumOff val="40000"/>
-                  <a:alpha val="0"/>
-                </a:schemeClr>
-              </a:gs>
-            </a:gsLst>
-            <a:lin ang="1200000" scaled="0"/>
-            <a:tileRect/>
-          </a:gradFill>
-          <a:ln>
-            <a:noFill/>
-          </a:ln>
-        </p:spPr>
-        <p:style>
-          <a:lnRef idx="2">
-            <a:schemeClr val="accent1">
-              <a:shade val="50000"/>
-            </a:schemeClr>
-          </a:lnRef>
-          <a:fillRef idx="1">
-            <a:schemeClr val="accent1"/>
-          </a:fillRef>
-          <a:effectRef idx="0">
-            <a:schemeClr val="accent1"/>
-          </a:effectRef>
-          <a:fontRef idx="minor">
-            <a:schemeClr val="lt1"/>
-          </a:fontRef>
-        </p:style>
-        <p:txBody>
-          <a:bodyPr rtlCol="0" anchor="ctr"/>
-          <a:lstStyle/>
-          <a:p>
-            <a:pPr algn="ctr"/>
-            <a:endParaRPr lang="en-US"/>
-          </a:p>
-        </p:txBody>
-      </p:sp>
-      <p:sp>
-        <p:nvSpPr>
-          <p:cNvPr id="19" name="Rectangle 18">
-            <a:extLst>
-              <a:ext uri="{FF2B5EF4-FFF2-40B4-BE49-F238E27FC236}">
-                <a16:creationId xmlns:a16="http://schemas.microsoft.com/office/drawing/2014/main" id="{AFD5167C-AF48-26F0-7A9F-3F7643374872}"/>
-              </a:ext>
-              <a:ext uri="{C183D7F6-B498-43B3-948B-1728B52AA6E4}">
-                <adec:decorative xmlns:adec="http://schemas.microsoft.com/office/drawing/2017/decorative" val="1"/>
-              </a:ext>
-            </a:extLst>
-          </p:cNvPr>
-          <p:cNvSpPr>
-            <a:spLocks noGrp="1" noRot="1" noChangeAspect="1" noMove="1" noResize="1" noEditPoints="1" noAdjustHandles="1" noChangeArrowheads="1" noChangeShapeType="1" noTextEdit="1"/>
-          </p:cNvSpPr>
-          <p:nvPr>
-            <p:extLst>
-              <p:ext uri="{386F3935-93C4-4BCD-93E2-E3B085C9AB24}">
-                <p16:designElem xmlns:p16="http://schemas.microsoft.com/office/powerpoint/2015/main" val="1"/>
-              </p:ext>
-            </p:extLst>
-          </p:nvPr>
-        </p:nvSpPr>
-        <p:spPr>
-          <a:xfrm rot="5400000">
-            <a:off x="4264705" y="-1061856"/>
-            <a:ext cx="3682024" cy="12211438"/>
-          </a:xfrm>
-          <a:prstGeom prst="rect">
-            <a:avLst/>
-          </a:prstGeom>
-          <a:gradFill>
-            <a:gsLst>
-              <a:gs pos="0">
-                <a:schemeClr val="accent5"/>
-              </a:gs>
-              <a:gs pos="65000">
-                <a:schemeClr val="accent2">
-                  <a:alpha val="0"/>
-                </a:schemeClr>
-              </a:gs>
-            </a:gsLst>
-            <a:lin ang="11400000" scaled="0"/>
-          </a:gradFill>
-          <a:ln>
-            <a:noFill/>
-          </a:ln>
-        </p:spPr>
-        <p:style>
-          <a:lnRef idx="2">
-            <a:schemeClr val="accent1">
-              <a:shade val="50000"/>
-            </a:schemeClr>
-          </a:lnRef>
-          <a:fillRef idx="1">
-            <a:schemeClr val="accent1"/>
-          </a:fillRef>
-          <a:effectRef idx="0">
-            <a:schemeClr val="accent1"/>
-          </a:effectRef>
-          <a:fontRef idx="minor">
-            <a:schemeClr val="lt1"/>
-          </a:fontRef>
-        </p:style>
-        <p:txBody>
-          <a:bodyPr rtlCol="0" anchor="ctr"/>
-          <a:lstStyle/>
-          <a:p>
-            <a:pPr algn="ctr"/>
-            <a:endParaRPr lang="en-US"/>
-          </a:p>
-        </p:txBody>
-      </p:sp>
-      <p:sp>
-        <p:nvSpPr>
-          <p:cNvPr id="21" name="Rectangle 20">
-            <a:extLst>
-              <a:ext uri="{FF2B5EF4-FFF2-40B4-BE49-F238E27FC236}">
-                <a16:creationId xmlns:a16="http://schemas.microsoft.com/office/drawing/2014/main" id="{87B30A01-FCA8-86A5-A840-C32A3BE2EDD6}"/>
-              </a:ext>
-              <a:ext uri="{C183D7F6-B498-43B3-948B-1728B52AA6E4}">
-                <adec:decorative xmlns:adec="http://schemas.microsoft.com/office/drawing/2017/decorative" val="1"/>
-              </a:ext>
-            </a:extLst>
-          </p:cNvPr>
-          <p:cNvSpPr>
-            <a:spLocks noGrp="1" noRot="1" noChangeAspect="1" noMove="1" noResize="1" noEditPoints="1" noAdjustHandles="1" noChangeArrowheads="1" noChangeShapeType="1" noTextEdit="1"/>
-          </p:cNvSpPr>
-          <p:nvPr>
-            <p:extLst>
-              <p:ext uri="{386F3935-93C4-4BCD-93E2-E3B085C9AB24}">
-                <p16:designElem xmlns:p16="http://schemas.microsoft.com/office/powerpoint/2015/main" val="1"/>
-              </p:ext>
-            </p:extLst>
-          </p:nvPr>
-        </p:nvSpPr>
-        <p:spPr>
-          <a:xfrm rot="10800000">
-            <a:off x="-6" y="-7639"/>
-            <a:ext cx="4879823" cy="6887373"/>
-          </a:xfrm>
-          <a:prstGeom prst="rect">
-            <a:avLst/>
-          </a:prstGeom>
-          <a:gradFill>
-            <a:gsLst>
-              <a:gs pos="0">
-                <a:schemeClr val="accent2">
-                  <a:alpha val="70000"/>
-                </a:schemeClr>
-              </a:gs>
-              <a:gs pos="44000">
-                <a:schemeClr val="accent5">
-                  <a:lumMod val="60000"/>
-                  <a:lumOff val="40000"/>
-                  <a:alpha val="0"/>
-                </a:schemeClr>
-              </a:gs>
-            </a:gsLst>
-            <a:lin ang="9600000" scaled="0"/>
-          </a:gradFill>
           <a:ln>
             <a:noFill/>
           </a:ln>
@@ -42392,7 +42530,7 @@
           <p:cNvPr id="2" name="Title 1">
             <a:extLst>
               <a:ext uri="{FF2B5EF4-FFF2-40B4-BE49-F238E27FC236}">
-                <a16:creationId xmlns:a16="http://schemas.microsoft.com/office/drawing/2014/main" id="{32782611-D34F-1FF6-5E80-F3750BE25C80}"/>
+                <a16:creationId xmlns:a16="http://schemas.microsoft.com/office/drawing/2014/main" id="{435C5747-F389-E958-3154-29D02FFA1849}"/>
               </a:ext>
             </a:extLst>
           </p:cNvPr>
@@ -42405,31 +42543,182 @@
         </p:nvSpPr>
         <p:spPr>
           <a:xfrm>
-            <a:off x="859028" y="2155188"/>
-            <a:ext cx="4160233" cy="2839273"/>
+            <a:off x="761800" y="762001"/>
+            <a:ext cx="5334197" cy="1708242"/>
           </a:xfrm>
         </p:spPr>
         <p:txBody>
-          <a:bodyPr vert="horz" lIns="91440" tIns="45720" rIns="91440" bIns="45720" rtlCol="0" anchor="b">
+          <a:bodyPr anchor="ctr">
             <a:normAutofit/>
           </a:bodyPr>
           <a:lstStyle/>
           <a:p>
             <a:r>
-              <a:rPr lang="en-US" sz="4000" dirty="0">
-                <a:solidFill>
-                  <a:srgbClr val="FFFFFF"/>
-                </a:solidFill>
+              <a:rPr lang="en-US" sz="4000" b="0" i="0" u="none" strike="noStrike">
+                <a:effectLst/>
               </a:rPr>
-              <a:t>END</a:t>
+              <a:t>Generative Adversarial Networks (GANs)</a:t>
             </a:r>
+            <a:r>
+              <a:rPr lang="zh-CN" altLang="en-US" sz="4000"/>
+              <a:t> </a:t>
+            </a:r>
+            <a:endParaRPr lang="en-US" sz="4000"/>
           </a:p>
         </p:txBody>
       </p:sp>
+      <p:sp>
+        <p:nvSpPr>
+          <p:cNvPr id="3" name="Content Placeholder 2">
+            <a:extLst>
+              <a:ext uri="{FF2B5EF4-FFF2-40B4-BE49-F238E27FC236}">
+                <a16:creationId xmlns:a16="http://schemas.microsoft.com/office/drawing/2014/main" id="{FE2068BD-9203-F771-2314-2FDBA3DBA38D}"/>
+              </a:ext>
+            </a:extLst>
+          </p:cNvPr>
+          <p:cNvSpPr>
+            <a:spLocks noGrp="1"/>
+          </p:cNvSpPr>
+          <p:nvPr>
+            <p:ph idx="1"/>
+          </p:nvPr>
+        </p:nvSpPr>
+        <p:spPr>
+          <a:xfrm>
+            <a:off x="761800" y="2470244"/>
+            <a:ext cx="5334197" cy="3769835"/>
+          </a:xfrm>
+        </p:spPr>
+        <p:txBody>
+          <a:bodyPr anchor="ctr">
+            <a:normAutofit/>
+          </a:bodyPr>
+          <a:lstStyle/>
+          <a:p>
+            <a:r>
+              <a:rPr lang="en-US" sz="2000" b="1" i="0" u="none" strike="noStrike" dirty="0">
+                <a:effectLst/>
+              </a:rPr>
+              <a:t>How GANs Work</a:t>
+            </a:r>
+          </a:p>
+          <a:p>
+            <a:pPr>
+              <a:buFont typeface="+mj-lt"/>
+              <a:buAutoNum type="arabicPeriod"/>
+            </a:pPr>
+            <a:r>
+              <a:rPr lang="en-US" sz="2000" b="0" i="0" u="none" strike="noStrike" dirty="0">
+                <a:effectLst/>
+              </a:rPr>
+              <a:t>The generator creates new data instances.</a:t>
+            </a:r>
+          </a:p>
+          <a:p>
+            <a:pPr>
+              <a:buFont typeface="+mj-lt"/>
+              <a:buAutoNum type="arabicPeriod"/>
+            </a:pPr>
+            <a:r>
+              <a:rPr lang="en-US" sz="2000" b="0" i="0" u="none" strike="noStrike" dirty="0">
+                <a:effectLst/>
+              </a:rPr>
+              <a:t>The discriminator evaluates these instances along with real data from the training set.</a:t>
+            </a:r>
+          </a:p>
+          <a:p>
+            <a:pPr>
+              <a:buFont typeface="+mj-lt"/>
+              <a:buAutoNum type="arabicPeriod"/>
+            </a:pPr>
+            <a:r>
+              <a:rPr lang="en-US" sz="2000" b="0" i="0" u="none" strike="noStrike" dirty="0">
+                <a:effectLst/>
+              </a:rPr>
+              <a:t>Both networks receive feedback and adjust:</a:t>
+            </a:r>
+          </a:p>
+          <a:p>
+            <a:pPr marL="742950" lvl="1" indent="-285750">
+              <a:buFont typeface="+mj-lt"/>
+              <a:buAutoNum type="arabicPeriod"/>
+            </a:pPr>
+            <a:r>
+              <a:rPr lang="en-US" sz="2000" b="0" i="0" u="none" strike="noStrike" dirty="0">
+                <a:effectLst/>
+              </a:rPr>
+              <a:t>The generator aims to create more convincing outputs.</a:t>
+            </a:r>
+          </a:p>
+          <a:p>
+            <a:pPr marL="742950" lvl="1" indent="-285750">
+              <a:buFont typeface="+mj-lt"/>
+              <a:buAutoNum type="arabicPeriod"/>
+            </a:pPr>
+            <a:r>
+              <a:rPr lang="en-US" sz="2000" b="0" i="0" u="none" strike="noStrike" dirty="0">
+                <a:effectLst/>
+              </a:rPr>
+              <a:t>The discriminator aims to get better at distinguishing real from fake.</a:t>
+            </a:r>
+          </a:p>
+          <a:p>
+            <a:pPr>
+              <a:buFont typeface="+mj-lt"/>
+              <a:buAutoNum type="arabicPeriod"/>
+            </a:pPr>
+            <a:r>
+              <a:rPr lang="en-US" sz="2000" b="0" i="0" u="none" strike="noStrike" dirty="0">
+                <a:effectLst/>
+              </a:rPr>
+              <a:t>This process continues, leading to improvement in both networks.</a:t>
+            </a:r>
+          </a:p>
+          <a:p>
+            <a:endParaRPr lang="en-US" sz="2000" dirty="0"/>
+          </a:p>
+        </p:txBody>
+      </p:sp>
+      <p:pic>
+        <p:nvPicPr>
+          <p:cNvPr id="5" name="Picture 4" descr="A close up of a computer&#10;&#10;Description automatically generated">
+            <a:extLst>
+              <a:ext uri="{FF2B5EF4-FFF2-40B4-BE49-F238E27FC236}">
+                <a16:creationId xmlns:a16="http://schemas.microsoft.com/office/drawing/2014/main" id="{6610FCCE-CE12-3A56-4E34-57A61B5B51F5}"/>
+              </a:ext>
+            </a:extLst>
+          </p:cNvPr>
+          <p:cNvPicPr>
+            <a:picLocks noChangeAspect="1"/>
+          </p:cNvPicPr>
+          <p:nvPr/>
+        </p:nvPicPr>
+        <p:blipFill>
+          <a:blip r:embed="rId2"/>
+          <a:srcRect l="33810" r="22507" b="-1"/>
+          <a:stretch/>
+        </p:blipFill>
+        <p:spPr>
+          <a:xfrm>
+            <a:off x="6857797" y="-10886"/>
+            <a:ext cx="5334204" cy="6868886"/>
+          </a:xfrm>
+          <a:prstGeom prst="rect">
+            <a:avLst/>
+          </a:prstGeom>
+          <a:effectLst>
+            <a:outerShdw blurRad="127000" dist="50800" dir="10800000" sx="99000" sy="99000" algn="r" rotWithShape="0">
+              <a:prstClr val="black">
+                <a:alpha val="40000"/>
+              </a:prstClr>
+            </a:outerShdw>
+          </a:effectLst>
+        </p:spPr>
+      </p:pic>
     </p:spTree>
     <p:extLst>
       <p:ext uri="{BB962C8B-B14F-4D97-AF65-F5344CB8AC3E}">
-        <p14:creationId xmlns:p14="http://schemas.microsoft.com/office/powerpoint/2010/main" val="1935648960"/>
+        <p14:creationId xmlns:p14="http://schemas.microsoft.com/office/powerpoint/2010/main" val="1007911147"/>
       </p:ext>
     </p:extLst>
   </p:cSld>
